--- a/02.Memory-Management/02.Memory-Management-Homework-Exercises.pptx
+++ b/02.Memory-Management/02.Memory-Management-Homework-Exercises.pptx
@@ -232,7 +232,7 @@
           <a:p>
             <a:fld id="{FE5B4EDC-59C0-49C7-8ADA-5A781B329E02}" type="datetimeFigureOut">
               <a:rPr lang="en-US"/>
-              <a:t>3/7/2017</a:t>
+              <a:t>3/11/2017</a:t>
             </a:fld>
             <a:endParaRPr/>
           </a:p>
@@ -397,7 +397,7 @@
           <a:p>
             <a:fld id="{F2D8D46A-B586-417D-BFBD-8C8FE0AAF762}" type="datetimeFigureOut">
               <a:rPr lang="en-US"/>
-              <a:t>3/7/2017</a:t>
+              <a:t>3/11/2017</a:t>
             </a:fld>
             <a:endParaRPr/>
           </a:p>
@@ -1420,7 +1420,7 @@
           <a:p>
             <a:fld id="{AE16E624-E48B-4577-A6F4-31E70C663259}" type="datetime1">
               <a:rPr lang="en-US" smtClean="0"/>
-              <a:t>3/7/2017</a:t>
+              <a:t>3/11/2017</a:t>
             </a:fld>
             <a:endParaRPr/>
           </a:p>
@@ -1618,7 +1618,7 @@
           <a:p>
             <a:fld id="{847C278F-2F0F-4AAA-93D8-D44064BD0F8C}" type="datetime1">
               <a:rPr lang="en-US" smtClean="0"/>
-              <a:t>3/7/2017</a:t>
+              <a:t>3/11/2017</a:t>
             </a:fld>
             <a:endParaRPr/>
           </a:p>
@@ -1826,7 +1826,7 @@
           <a:p>
             <a:fld id="{05CAFD71-AD9D-4396-AD31-DBB269498E50}" type="datetime1">
               <a:rPr lang="en-US" smtClean="0"/>
-              <a:t>3/7/2017</a:t>
+              <a:t>3/11/2017</a:t>
             </a:fld>
             <a:endParaRPr/>
           </a:p>
@@ -2024,7 +2024,7 @@
           <a:p>
             <a:fld id="{55A4388D-4F77-45EF-AF12-5E2F0BEF1824}" type="datetime1">
               <a:rPr lang="en-US" smtClean="0"/>
-              <a:t>3/7/2017</a:t>
+              <a:t>3/11/2017</a:t>
             </a:fld>
             <a:endParaRPr/>
           </a:p>
@@ -2287,7 +2287,7 @@
           <a:p>
             <a:fld id="{BC7F69BE-F8D0-4920-AC87-F803E439A405}" type="datetime1">
               <a:rPr lang="en-US" smtClean="0"/>
-              <a:t>3/7/2017</a:t>
+              <a:t>3/11/2017</a:t>
             </a:fld>
             <a:endParaRPr/>
           </a:p>
@@ -2760,7 +2760,7 @@
           <a:p>
             <a:fld id="{DB44AB54-3C13-49E0-A772-4D7039CFFEAA}" type="datetime1">
               <a:rPr lang="en-US" smtClean="0"/>
-              <a:t>3/7/2017</a:t>
+              <a:t>3/11/2017</a:t>
             </a:fld>
             <a:endParaRPr/>
           </a:p>
@@ -3216,7 +3216,7 @@
           <a:p>
             <a:fld id="{C545D729-0C1E-4055-9AFA-E659A6DDCB6D}" type="datetime1">
               <a:rPr lang="en-US" smtClean="0"/>
-              <a:t>3/7/2017</a:t>
+              <a:t>3/11/2017</a:t>
             </a:fld>
             <a:endParaRPr/>
           </a:p>
@@ -3346,7 +3346,7 @@
           <a:p>
             <a:fld id="{3A42754C-5C6C-46DF-9904-A3D7BE5F301F}" type="datetime1">
               <a:rPr lang="en-US" smtClean="0"/>
-              <a:t>3/7/2017</a:t>
+              <a:t>3/11/2017</a:t>
             </a:fld>
             <a:endParaRPr/>
           </a:p>
@@ -3453,7 +3453,7 @@
           <a:p>
             <a:fld id="{185AB267-2144-43FF-8F9C-5A71B52924E4}" type="datetime1">
               <a:rPr lang="en-US" smtClean="0"/>
-              <a:t>3/7/2017</a:t>
+              <a:t>3/11/2017</a:t>
             </a:fld>
             <a:endParaRPr/>
           </a:p>
@@ -3752,7 +3752,7 @@
           <a:p>
             <a:fld id="{418E0051-DF9C-49D2-AD36-6B9BDE1DE3ED}" type="datetime1">
               <a:rPr lang="en-US" smtClean="0"/>
-              <a:t>3/7/2017</a:t>
+              <a:t>3/11/2017</a:t>
             </a:fld>
             <a:endParaRPr/>
           </a:p>
@@ -4040,7 +4040,7 @@
           <a:p>
             <a:fld id="{7BD940C0-4BA8-4AA8-B79B-964C8F235FAB}" type="datetime1">
               <a:rPr lang="en-US" smtClean="0"/>
-              <a:t>3/7/2017</a:t>
+              <a:t>3/11/2017</a:t>
             </a:fld>
             <a:endParaRPr/>
           </a:p>
@@ -4662,7 +4662,7 @@
           <a:p>
             <a:fld id="{FF0D13BF-D25D-4A04-A755-9F4B82F5573B}" type="datetime1">
               <a:rPr lang="en-US" smtClean="0"/>
-              <a:t>3/7/2017</a:t>
+              <a:t>3/11/2017</a:t>
             </a:fld>
             <a:endParaRPr/>
           </a:p>
@@ -5429,7 +5429,7 @@
         <p:spPr/>
         <p:txBody>
           <a:bodyPr>
-            <a:normAutofit fontScale="85000" lnSpcReduction="20000"/>
+            <a:normAutofit fontScale="77500" lnSpcReduction="20000"/>
           </a:bodyPr>
           <a:lstStyle/>
           <a:p>
@@ -5439,8 +5439,11 @@
             </a:pPr>
             <a:r>
               <a:rPr lang="en-US" dirty="0"/>
-              <a:t>Write a program that reads two integer arrays from the console and compares them element by element. The comparing should be done in a function </a:t>
-            </a:r>
+              <a:t>Write a program that reads two integer arrays from the console and compares them element by element. For better code reusability, you could do the comparison in a</a:t>
+            </a:r>
+            <a:br>
+              <a:rPr lang="bg-BG" dirty="0"/>
+            </a:br>
             <a:r>
               <a:rPr lang="en-US" dirty="0">
                 <a:solidFill>
@@ -5499,7 +5502,7 @@
                 </a:solidFill>
                 <a:latin typeface="Consolas" pitchFamily="49" charset="0"/>
               </a:rPr>
-              <a:t> arr1, </a:t>
+              <a:t> arr1[], </a:t>
             </a:r>
             <a:r>
               <a:rPr lang="en-US" dirty="0" err="1">
@@ -5523,11 +5526,66 @@
                 </a:solidFill>
                 <a:latin typeface="Consolas" pitchFamily="49" charset="0"/>
               </a:rPr>
-              <a:t> arr2)</a:t>
+              <a:t> length1, </a:t>
+            </a:r>
+            <a:r>
+              <a:rPr lang="en-US" dirty="0" err="1">
+                <a:solidFill>
+                  <a:schemeClr val="accent1">
+                    <a:lumMod val="40000"/>
+                    <a:lumOff val="60000"/>
+                  </a:schemeClr>
+                </a:solidFill>
+                <a:latin typeface="Consolas" pitchFamily="49" charset="0"/>
+              </a:rPr>
+              <a:t>int</a:t>
+            </a:r>
+            <a:r>
+              <a:rPr lang="en-US" dirty="0">
+                <a:solidFill>
+                  <a:schemeClr val="accent1">
+                    <a:lumMod val="40000"/>
+                    <a:lumOff val="60000"/>
+                  </a:schemeClr>
+                </a:solidFill>
+                <a:latin typeface="Consolas" pitchFamily="49" charset="0"/>
+              </a:rPr>
+              <a:t> arr2[], </a:t>
+            </a:r>
+            <a:r>
+              <a:rPr lang="en-US" dirty="0" err="1">
+                <a:solidFill>
+                  <a:schemeClr val="accent1">
+                    <a:lumMod val="40000"/>
+                    <a:lumOff val="60000"/>
+                  </a:schemeClr>
+                </a:solidFill>
+                <a:latin typeface="Consolas" pitchFamily="49" charset="0"/>
+              </a:rPr>
+              <a:t>int</a:t>
+            </a:r>
+            <a:r>
+              <a:rPr lang="en-US" dirty="0">
+                <a:solidFill>
+                  <a:schemeClr val="accent1">
+                    <a:lumMod val="40000"/>
+                    <a:lumOff val="60000"/>
+                  </a:schemeClr>
+                </a:solidFill>
+                <a:latin typeface="Consolas" pitchFamily="49" charset="0"/>
+              </a:rPr>
+              <a:t> length2)</a:t>
             </a:r>
             <a:r>
               <a:rPr lang="en-US" dirty="0"/>
-              <a:t>, which returns </a:t>
+              <a:t> </a:t>
+            </a:r>
+            <a:br>
+              <a:rPr lang="bg-BG" dirty="0"/>
+            </a:br>
+            <a:r>
+              <a:rPr lang="en-US" dirty="0"/>
+              <a:t>function, which returns </a:t>
             </a:r>
             <a:r>
               <a:rPr lang="en-US" dirty="0">
